--- a/Calendario2026/presentaciones/13_ListasComprension.pptx
+++ b/Calendario2026/presentaciones/13_ListasComprension.pptx
@@ -12,8 +12,8 @@
     <p:sldId id="294" r:id="rId3"/>
     <p:sldId id="620" r:id="rId4"/>
     <p:sldId id="618" r:id="rId5"/>
-    <p:sldId id="619" r:id="rId6"/>
-    <p:sldId id="621" r:id="rId7"/>
+    <p:sldId id="621" r:id="rId6"/>
+    <p:sldId id="619" r:id="rId7"/>
     <p:sldId id="282" r:id="rId8"/>
   </p:sldIdLst>
   <p:sldSz cx="9144000" cy="6858000" type="screen4x3"/>
@@ -132,6 +132,50 @@
 </p:presentation>
 </file>
 
+<file path=ppt/changesInfos/changesInfo1.xml><?xml version="1.0" encoding="utf-8"?>
+<pc:chgInfo xmlns:a="http://schemas.openxmlformats.org/drawingml/2006/main" xmlns:r="http://schemas.openxmlformats.org/officeDocument/2006/relationships" xmlns:ac="http://schemas.microsoft.com/office/drawing/2013/main/command" xmlns:pc="http://schemas.microsoft.com/office/powerpoint/2013/main/command">
+  <pc:docChgLst>
+    <pc:chgData name="Lizethe Pérez Fuertes" userId="4ae9ef87-2a7d-42f8-8dfa-0a501a9e2ff4" providerId="ADAL" clId="{FDDD45CB-1330-4033-A842-3D2746AFF7C7}"/>
+    <pc:docChg chg="modSld sldOrd">
+      <pc:chgData name="Lizethe Pérez Fuertes" userId="4ae9ef87-2a7d-42f8-8dfa-0a501a9e2ff4" providerId="ADAL" clId="{FDDD45CB-1330-4033-A842-3D2746AFF7C7}" dt="2026-02-26T19:11:15.249" v="7" actId="20577"/>
+      <pc:docMkLst>
+        <pc:docMk/>
+      </pc:docMkLst>
+      <pc:sldChg chg="modSp mod ord">
+        <pc:chgData name="Lizethe Pérez Fuertes" userId="4ae9ef87-2a7d-42f8-8dfa-0a501a9e2ff4" providerId="ADAL" clId="{FDDD45CB-1330-4033-A842-3D2746AFF7C7}" dt="2026-02-26T19:11:15.249" v="7" actId="20577"/>
+        <pc:sldMkLst>
+          <pc:docMk/>
+          <pc:sldMk cId="2224835995" sldId="619"/>
+        </pc:sldMkLst>
+        <pc:spChg chg="mod">
+          <ac:chgData name="Lizethe Pérez Fuertes" userId="4ae9ef87-2a7d-42f8-8dfa-0a501a9e2ff4" providerId="ADAL" clId="{FDDD45CB-1330-4033-A842-3D2746AFF7C7}" dt="2026-02-26T19:11:15.249" v="7" actId="20577"/>
+          <ac:spMkLst>
+            <pc:docMk/>
+            <pc:sldMk cId="2224835995" sldId="619"/>
+            <ac:spMk id="10" creationId="{28D7FAFF-9722-4D6A-9DE5-55FC738D0886}"/>
+          </ac:spMkLst>
+        </pc:spChg>
+      </pc:sldChg>
+      <pc:sldChg chg="modSp mod">
+        <pc:chgData name="Lizethe Pérez Fuertes" userId="4ae9ef87-2a7d-42f8-8dfa-0a501a9e2ff4" providerId="ADAL" clId="{FDDD45CB-1330-4033-A842-3D2746AFF7C7}" dt="2026-02-26T19:11:09.542" v="3" actId="6549"/>
+        <pc:sldMkLst>
+          <pc:docMk/>
+          <pc:sldMk cId="2980035835" sldId="621"/>
+        </pc:sldMkLst>
+        <pc:spChg chg="mod">
+          <ac:chgData name="Lizethe Pérez Fuertes" userId="4ae9ef87-2a7d-42f8-8dfa-0a501a9e2ff4" providerId="ADAL" clId="{FDDD45CB-1330-4033-A842-3D2746AFF7C7}" dt="2026-02-26T19:11:09.542" v="3" actId="6549"/>
+          <ac:spMkLst>
+            <pc:docMk/>
+            <pc:sldMk cId="2980035835" sldId="621"/>
+            <ac:spMk id="10" creationId="{28D7FAFF-9722-4D6A-9DE5-55FC738D0886}"/>
+          </ac:spMkLst>
+        </pc:spChg>
+      </pc:sldChg>
+    </pc:docChg>
+  </pc:docChgLst>
+</pc:chgInfo>
+</file>
+
 <file path=ppt/notesMasters/notesMaster1.xml><?xml version="1.0" encoding="utf-8"?>
 <p:notesMaster xmlns:a="http://schemas.openxmlformats.org/drawingml/2006/main" xmlns:r="http://schemas.openxmlformats.org/officeDocument/2006/relationships" xmlns:p="http://schemas.openxmlformats.org/presentationml/2006/main">
   <p:cSld>
@@ -214,7 +258,7 @@
           <a:p>
             <a:fld id="{DDE721D5-655F-45D2-B717-3C4CD78C8568}" type="datetimeFigureOut">
               <a:rPr lang="es-MX" smtClean="0"/>
-              <a:t>24/08/2022</a:t>
+              <a:t>26/02/2026</a:t>
             </a:fld>
             <a:endParaRPr lang="es-MX" dirty="0"/>
           </a:p>
@@ -808,7 +852,7 @@
     </p:spTree>
     <p:extLst>
       <p:ext uri="{BB962C8B-B14F-4D97-AF65-F5344CB8AC3E}">
-        <p14:creationId xmlns:p14="http://schemas.microsoft.com/office/powerpoint/2010/main" val="3465195167"/>
+        <p14:creationId xmlns:p14="http://schemas.microsoft.com/office/powerpoint/2010/main" val="2732845225"/>
       </p:ext>
     </p:extLst>
   </p:cSld>
@@ -892,7 +936,7 @@
     </p:spTree>
     <p:extLst>
       <p:ext uri="{BB962C8B-B14F-4D97-AF65-F5344CB8AC3E}">
-        <p14:creationId xmlns:p14="http://schemas.microsoft.com/office/powerpoint/2010/main" val="2732845225"/>
+        <p14:creationId xmlns:p14="http://schemas.microsoft.com/office/powerpoint/2010/main" val="3465195167"/>
       </p:ext>
     </p:extLst>
   </p:cSld>
@@ -1083,7 +1127,7 @@
           <a:p>
             <a:fld id="{B3F3E716-CACC-4490-AD07-F24B6A68DE47}" type="datetimeFigureOut">
               <a:rPr lang="es-MX" smtClean="0"/>
-              <a:t>24/08/2022</a:t>
+              <a:t>26/02/2026</a:t>
             </a:fld>
             <a:endParaRPr lang="es-MX" dirty="0"/>
           </a:p>
@@ -1253,7 +1297,7 @@
           <a:p>
             <a:fld id="{B3F3E716-CACC-4490-AD07-F24B6A68DE47}" type="datetimeFigureOut">
               <a:rPr lang="es-MX" smtClean="0"/>
-              <a:t>24/08/2022</a:t>
+              <a:t>26/02/2026</a:t>
             </a:fld>
             <a:endParaRPr lang="es-MX" dirty="0"/>
           </a:p>
@@ -1433,7 +1477,7 @@
           <a:p>
             <a:fld id="{B3F3E716-CACC-4490-AD07-F24B6A68DE47}" type="datetimeFigureOut">
               <a:rPr lang="es-MX" smtClean="0"/>
-              <a:t>24/08/2022</a:t>
+              <a:t>26/02/2026</a:t>
             </a:fld>
             <a:endParaRPr lang="es-MX" dirty="0"/>
           </a:p>
@@ -1586,7 +1630,7 @@
           <a:p>
             <a:fld id="{1D8BD707-D9CF-40AE-B4C6-C98DA3205C09}" type="datetimeFigureOut">
               <a:rPr lang="en-US" smtClean="0"/>
-              <a:t>8/24/2022</a:t>
+              <a:t>2/26/2026</a:t>
             </a:fld>
             <a:endParaRPr lang="en-US" dirty="0"/>
           </a:p>
@@ -1746,7 +1790,7 @@
           <a:p>
             <a:fld id="{B3F3E716-CACC-4490-AD07-F24B6A68DE47}" type="datetimeFigureOut">
               <a:rPr lang="es-MX" smtClean="0"/>
-              <a:t>24/08/2022</a:t>
+              <a:t>26/02/2026</a:t>
             </a:fld>
             <a:endParaRPr lang="es-MX" dirty="0"/>
           </a:p>
@@ -1992,7 +2036,7 @@
           <a:p>
             <a:fld id="{B3F3E716-CACC-4490-AD07-F24B6A68DE47}" type="datetimeFigureOut">
               <a:rPr lang="es-MX" smtClean="0"/>
-              <a:t>24/08/2022</a:t>
+              <a:t>26/02/2026</a:t>
             </a:fld>
             <a:endParaRPr lang="es-MX" dirty="0"/>
           </a:p>
@@ -2280,7 +2324,7 @@
           <a:p>
             <a:fld id="{B3F3E716-CACC-4490-AD07-F24B6A68DE47}" type="datetimeFigureOut">
               <a:rPr lang="es-MX" smtClean="0"/>
-              <a:t>24/08/2022</a:t>
+              <a:t>26/02/2026</a:t>
             </a:fld>
             <a:endParaRPr lang="es-MX" dirty="0"/>
           </a:p>
@@ -2702,7 +2746,7 @@
           <a:p>
             <a:fld id="{B3F3E716-CACC-4490-AD07-F24B6A68DE47}" type="datetimeFigureOut">
               <a:rPr lang="es-MX" smtClean="0"/>
-              <a:t>24/08/2022</a:t>
+              <a:t>26/02/2026</a:t>
             </a:fld>
             <a:endParaRPr lang="es-MX" dirty="0"/>
           </a:p>
@@ -2820,7 +2864,7 @@
           <a:p>
             <a:fld id="{B3F3E716-CACC-4490-AD07-F24B6A68DE47}" type="datetimeFigureOut">
               <a:rPr lang="es-MX" smtClean="0"/>
-              <a:t>24/08/2022</a:t>
+              <a:t>26/02/2026</a:t>
             </a:fld>
             <a:endParaRPr lang="es-MX" dirty="0"/>
           </a:p>
@@ -2915,7 +2959,7 @@
           <a:p>
             <a:fld id="{B3F3E716-CACC-4490-AD07-F24B6A68DE47}" type="datetimeFigureOut">
               <a:rPr lang="es-MX" smtClean="0"/>
-              <a:t>24/08/2022</a:t>
+              <a:t>26/02/2026</a:t>
             </a:fld>
             <a:endParaRPr lang="es-MX" dirty="0"/>
           </a:p>
@@ -3192,7 +3236,7 @@
           <a:p>
             <a:fld id="{B3F3E716-CACC-4490-AD07-F24B6A68DE47}" type="datetimeFigureOut">
               <a:rPr lang="es-MX" smtClean="0"/>
-              <a:t>24/08/2022</a:t>
+              <a:t>26/02/2026</a:t>
             </a:fld>
             <a:endParaRPr lang="es-MX" dirty="0"/>
           </a:p>
@@ -3445,7 +3489,7 @@
           <a:p>
             <a:fld id="{B3F3E716-CACC-4490-AD07-F24B6A68DE47}" type="datetimeFigureOut">
               <a:rPr lang="es-MX" smtClean="0"/>
-              <a:t>24/08/2022</a:t>
+              <a:t>26/02/2026</a:t>
             </a:fld>
             <a:endParaRPr lang="es-MX" dirty="0"/>
           </a:p>
@@ -3658,7 +3702,7 @@
           <a:p>
             <a:fld id="{B3F3E716-CACC-4490-AD07-F24B6A68DE47}" type="datetimeFigureOut">
               <a:rPr lang="es-MX" smtClean="0"/>
-              <a:t>24/08/2022</a:t>
+              <a:t>26/02/2026</a:t>
             </a:fld>
             <a:endParaRPr lang="es-MX" dirty="0"/>
           </a:p>
@@ -5263,317 +5307,6 @@
           <a:chExt cx="0" cy="0"/>
         </a:xfrm>
       </p:grpSpPr>
-      <p:pic>
-        <p:nvPicPr>
-          <p:cNvPr id="5" name="Imagen 4">
-            <a:extLst>
-              <a:ext uri="{FF2B5EF4-FFF2-40B4-BE49-F238E27FC236}">
-                <a16:creationId xmlns:a16="http://schemas.microsoft.com/office/drawing/2014/main" id="{0F46D0CD-A13E-412C-9575-721E77F24200}"/>
-              </a:ext>
-            </a:extLst>
-          </p:cNvPr>
-          <p:cNvPicPr>
-            <a:picLocks noChangeAspect="1"/>
-          </p:cNvPicPr>
-          <p:nvPr/>
-        </p:nvPicPr>
-        <p:blipFill>
-          <a:blip r:embed="rId3"/>
-          <a:stretch>
-            <a:fillRect/>
-          </a:stretch>
-        </p:blipFill>
-        <p:spPr>
-          <a:xfrm>
-            <a:off x="899592" y="4726002"/>
-            <a:ext cx="7381875" cy="981075"/>
-          </a:xfrm>
-          <a:prstGeom prst="rect">
-            <a:avLst/>
-          </a:prstGeom>
-        </p:spPr>
-      </p:pic>
-      <p:sp>
-        <p:nvSpPr>
-          <p:cNvPr id="184324" name="Rectangle 4"/>
-          <p:cNvSpPr>
-            <a:spLocks noGrp="1" noChangeArrowheads="1"/>
-          </p:cNvSpPr>
-          <p:nvPr>
-            <p:ph type="title"/>
-          </p:nvPr>
-        </p:nvSpPr>
-        <p:spPr>
-          <a:xfrm>
-            <a:off x="457200" y="116632"/>
-            <a:ext cx="8229600" cy="1143000"/>
-          </a:xfrm>
-        </p:spPr>
-        <p:txBody>
-          <a:bodyPr>
-            <a:normAutofit/>
-          </a:bodyPr>
-          <a:lstStyle/>
-          <a:p>
-            <a:pPr eaLnBrk="1" hangingPunct="1">
-              <a:defRPr/>
-            </a:pPr>
-            <a:r>
-              <a:rPr lang="es-MX" b="1" dirty="0">
-                <a:solidFill>
-                  <a:schemeClr val="accent4">
-                    <a:lumMod val="50000"/>
-                  </a:schemeClr>
-                </a:solidFill>
-                <a:effectLst>
-                  <a:outerShdw blurRad="38100" dist="38100" dir="2700000" algn="tl">
-                    <a:srgbClr val="C0C0C0"/>
-                  </a:outerShdw>
-                </a:effectLst>
-                <a:latin typeface="Dom Casual" charset="0"/>
-              </a:rPr>
-              <a:t>Listas de comprensión</a:t>
-            </a:r>
-          </a:p>
-        </p:txBody>
-      </p:sp>
-      <p:sp>
-        <p:nvSpPr>
-          <p:cNvPr id="10" name="CuadroTexto 9">
-            <a:extLst>
-              <a:ext uri="{FF2B5EF4-FFF2-40B4-BE49-F238E27FC236}">
-                <a16:creationId xmlns:a16="http://schemas.microsoft.com/office/drawing/2014/main" id="{28D7FAFF-9722-4D6A-9DE5-55FC738D0886}"/>
-              </a:ext>
-            </a:extLst>
-          </p:cNvPr>
-          <p:cNvSpPr txBox="1"/>
-          <p:nvPr/>
-        </p:nvSpPr>
-        <p:spPr>
-          <a:xfrm>
-            <a:off x="836550" y="1485512"/>
-            <a:ext cx="7848872" cy="369332"/>
-          </a:xfrm>
-          <a:prstGeom prst="rect">
-            <a:avLst/>
-          </a:prstGeom>
-          <a:noFill/>
-        </p:spPr>
-        <p:txBody>
-          <a:bodyPr wrap="square">
-            <a:spAutoFit/>
-          </a:bodyPr>
-          <a:lstStyle/>
-          <a:p>
-            <a:pPr algn="l"/>
-            <a:r>
-              <a:rPr lang="es-ES" b="1" i="0" dirty="0">
-                <a:solidFill>
-                  <a:schemeClr val="tx1">
-                    <a:lumMod val="95000"/>
-                    <a:lumOff val="5000"/>
-                  </a:schemeClr>
-                </a:solidFill>
-                <a:effectLst/>
-                <a:latin typeface="-apple-system"/>
-              </a:rPr>
-              <a:t>Ejemplo 4: </a:t>
-            </a:r>
-            <a:r>
-              <a:rPr lang="es-ES" sz="1600" b="0" i="0" dirty="0">
-                <a:solidFill>
-                  <a:schemeClr val="tx1">
-                    <a:lumMod val="95000"/>
-                    <a:lumOff val="5000"/>
-                  </a:schemeClr>
-                </a:solidFill>
-                <a:effectLst/>
-              </a:rPr>
-              <a:t>Crear una lista con todos los múltiplos de 2 entr</a:t>
-            </a:r>
-            <a:r>
-              <a:rPr lang="es-ES" sz="1600" dirty="0">
-                <a:solidFill>
-                  <a:schemeClr val="tx1">
-                    <a:lumMod val="95000"/>
-                    <a:lumOff val="5000"/>
-                  </a:schemeClr>
-                </a:solidFill>
-              </a:rPr>
-              <a:t>e 0 y 10</a:t>
-            </a:r>
-            <a:r>
-              <a:rPr lang="es-ES" sz="1600" b="0" i="0" dirty="0">
-                <a:solidFill>
-                  <a:schemeClr val="tx1">
-                    <a:lumMod val="95000"/>
-                    <a:lumOff val="5000"/>
-                  </a:schemeClr>
-                </a:solidFill>
-                <a:effectLst/>
-              </a:rPr>
-              <a:t>:</a:t>
-            </a:r>
-          </a:p>
-        </p:txBody>
-      </p:sp>
-      <p:sp>
-        <p:nvSpPr>
-          <p:cNvPr id="11" name="CuadroTexto 10">
-            <a:extLst>
-              <a:ext uri="{FF2B5EF4-FFF2-40B4-BE49-F238E27FC236}">
-                <a16:creationId xmlns:a16="http://schemas.microsoft.com/office/drawing/2014/main" id="{74988058-D62F-4930-BE06-055E873C6144}"/>
-              </a:ext>
-            </a:extLst>
-          </p:cNvPr>
-          <p:cNvSpPr txBox="1"/>
-          <p:nvPr/>
-        </p:nvSpPr>
-        <p:spPr>
-          <a:xfrm>
-            <a:off x="836550" y="4221088"/>
-            <a:ext cx="6471754" cy="358047"/>
-          </a:xfrm>
-          <a:prstGeom prst="rect">
-            <a:avLst/>
-          </a:prstGeom>
-          <a:noFill/>
-        </p:spPr>
-        <p:txBody>
-          <a:bodyPr wrap="square">
-            <a:spAutoFit/>
-          </a:bodyPr>
-          <a:lstStyle/>
-          <a:p>
-            <a:pPr algn="l">
-              <a:lnSpc>
-                <a:spcPts val="2200"/>
-              </a:lnSpc>
-              <a:spcAft>
-                <a:spcPts val="1200"/>
-              </a:spcAft>
-            </a:pPr>
-            <a:r>
-              <a:rPr lang="es-ES" sz="1600" dirty="0">
-                <a:solidFill>
-                  <a:schemeClr val="tx1">
-                    <a:lumMod val="95000"/>
-                    <a:lumOff val="5000"/>
-                  </a:schemeClr>
-                </a:solidFill>
-              </a:rPr>
-              <a:t>Añade a la lista los números del 0 al 10 que sean múltiplos de 2.</a:t>
-            </a:r>
-          </a:p>
-        </p:txBody>
-      </p:sp>
-      <p:sp>
-        <p:nvSpPr>
-          <p:cNvPr id="8" name="Rectángulo 7">
-            <a:extLst>
-              <a:ext uri="{FF2B5EF4-FFF2-40B4-BE49-F238E27FC236}">
-                <a16:creationId xmlns:a16="http://schemas.microsoft.com/office/drawing/2014/main" id="{B6D5ECDC-09F4-47F2-9DEA-6E72C62DEFAB}"/>
-              </a:ext>
-            </a:extLst>
-          </p:cNvPr>
-          <p:cNvSpPr/>
-          <p:nvPr/>
-        </p:nvSpPr>
-        <p:spPr>
-          <a:xfrm>
-            <a:off x="1910363" y="5069694"/>
-            <a:ext cx="6371104" cy="288032"/>
-          </a:xfrm>
-          <a:prstGeom prst="rect">
-            <a:avLst/>
-          </a:prstGeom>
-          <a:noFill/>
-        </p:spPr>
-        <p:style>
-          <a:lnRef idx="2">
-            <a:schemeClr val="accent1">
-              <a:shade val="50000"/>
-            </a:schemeClr>
-          </a:lnRef>
-          <a:fillRef idx="1">
-            <a:schemeClr val="accent1"/>
-          </a:fillRef>
-          <a:effectRef idx="0">
-            <a:schemeClr val="accent1"/>
-          </a:effectRef>
-          <a:fontRef idx="minor">
-            <a:schemeClr val="lt1"/>
-          </a:fontRef>
-        </p:style>
-        <p:txBody>
-          <a:bodyPr rtlCol="0" anchor="ctr"/>
-          <a:lstStyle/>
-          <a:p>
-            <a:pPr algn="ctr"/>
-            <a:endParaRPr lang="es-MX"/>
-          </a:p>
-        </p:txBody>
-      </p:sp>
-      <p:pic>
-        <p:nvPicPr>
-          <p:cNvPr id="3" name="Imagen 2">
-            <a:extLst>
-              <a:ext uri="{FF2B5EF4-FFF2-40B4-BE49-F238E27FC236}">
-                <a16:creationId xmlns:a16="http://schemas.microsoft.com/office/drawing/2014/main" id="{F0D521E6-6C53-4DD7-8588-F6E033472CC8}"/>
-              </a:ext>
-            </a:extLst>
-          </p:cNvPr>
-          <p:cNvPicPr>
-            <a:picLocks noChangeAspect="1"/>
-          </p:cNvPicPr>
-          <p:nvPr/>
-        </p:nvPicPr>
-        <p:blipFill>
-          <a:blip r:embed="rId4"/>
-          <a:stretch>
-            <a:fillRect/>
-          </a:stretch>
-        </p:blipFill>
-        <p:spPr>
-          <a:xfrm>
-            <a:off x="899592" y="2201180"/>
-            <a:ext cx="3371850" cy="1752600"/>
-          </a:xfrm>
-          <a:prstGeom prst="rect">
-            <a:avLst/>
-          </a:prstGeom>
-        </p:spPr>
-      </p:pic>
-    </p:spTree>
-    <p:extLst>
-      <p:ext uri="{BB962C8B-B14F-4D97-AF65-F5344CB8AC3E}">
-        <p14:creationId xmlns:p14="http://schemas.microsoft.com/office/powerpoint/2010/main" val="2224835995"/>
-      </p:ext>
-    </p:extLst>
-  </p:cSld>
-  <p:clrMapOvr>
-    <a:masterClrMapping/>
-  </p:clrMapOvr>
-</p:sld>
-</file>
-
-<file path=ppt/slides/slide6.xml><?xml version="1.0" encoding="utf-8"?>
-<p:sld xmlns:a="http://schemas.openxmlformats.org/drawingml/2006/main" xmlns:r="http://schemas.openxmlformats.org/officeDocument/2006/relationships" xmlns:p="http://schemas.openxmlformats.org/presentationml/2006/main">
-  <p:cSld>
-    <p:spTree>
-      <p:nvGrpSpPr>
-        <p:cNvPr id="1" name=""/>
-        <p:cNvGrpSpPr/>
-        <p:nvPr/>
-      </p:nvGrpSpPr>
-      <p:grpSpPr>
-        <a:xfrm>
-          <a:off x="0" y="0"/>
-          <a:ext cx="0" cy="0"/>
-          <a:chOff x="0" y="0"/>
-          <a:chExt cx="0" cy="0"/>
-        </a:xfrm>
-      </p:grpSpPr>
       <p:sp>
         <p:nvSpPr>
           <p:cNvPr id="184324" name="Rectangle 4"/>
@@ -5671,7 +5404,7 @@
                 <a:effectLst/>
                 <a:latin typeface="-apple-system"/>
               </a:rPr>
-              <a:t>Ejemplo 5:</a:t>
+              <a:t>Ejemplo 4:</a:t>
             </a:r>
           </a:p>
           <a:p>
@@ -5847,6 +5580,317 @@
     <p:extLst>
       <p:ext uri="{BB962C8B-B14F-4D97-AF65-F5344CB8AC3E}">
         <p14:creationId xmlns:p14="http://schemas.microsoft.com/office/powerpoint/2010/main" val="2980035835"/>
+      </p:ext>
+    </p:extLst>
+  </p:cSld>
+  <p:clrMapOvr>
+    <a:masterClrMapping/>
+  </p:clrMapOvr>
+</p:sld>
+</file>
+
+<file path=ppt/slides/slide6.xml><?xml version="1.0" encoding="utf-8"?>
+<p:sld xmlns:a="http://schemas.openxmlformats.org/drawingml/2006/main" xmlns:r="http://schemas.openxmlformats.org/officeDocument/2006/relationships" xmlns:p="http://schemas.openxmlformats.org/presentationml/2006/main">
+  <p:cSld>
+    <p:spTree>
+      <p:nvGrpSpPr>
+        <p:cNvPr id="1" name=""/>
+        <p:cNvGrpSpPr/>
+        <p:nvPr/>
+      </p:nvGrpSpPr>
+      <p:grpSpPr>
+        <a:xfrm>
+          <a:off x="0" y="0"/>
+          <a:ext cx="0" cy="0"/>
+          <a:chOff x="0" y="0"/>
+          <a:chExt cx="0" cy="0"/>
+        </a:xfrm>
+      </p:grpSpPr>
+      <p:pic>
+        <p:nvPicPr>
+          <p:cNvPr id="5" name="Imagen 4">
+            <a:extLst>
+              <a:ext uri="{FF2B5EF4-FFF2-40B4-BE49-F238E27FC236}">
+                <a16:creationId xmlns:a16="http://schemas.microsoft.com/office/drawing/2014/main" id="{0F46D0CD-A13E-412C-9575-721E77F24200}"/>
+              </a:ext>
+            </a:extLst>
+          </p:cNvPr>
+          <p:cNvPicPr>
+            <a:picLocks noChangeAspect="1"/>
+          </p:cNvPicPr>
+          <p:nvPr/>
+        </p:nvPicPr>
+        <p:blipFill>
+          <a:blip r:embed="rId3"/>
+          <a:stretch>
+            <a:fillRect/>
+          </a:stretch>
+        </p:blipFill>
+        <p:spPr>
+          <a:xfrm>
+            <a:off x="899592" y="4726002"/>
+            <a:ext cx="7381875" cy="981075"/>
+          </a:xfrm>
+          <a:prstGeom prst="rect">
+            <a:avLst/>
+          </a:prstGeom>
+        </p:spPr>
+      </p:pic>
+      <p:sp>
+        <p:nvSpPr>
+          <p:cNvPr id="184324" name="Rectangle 4"/>
+          <p:cNvSpPr>
+            <a:spLocks noGrp="1" noChangeArrowheads="1"/>
+          </p:cNvSpPr>
+          <p:nvPr>
+            <p:ph type="title"/>
+          </p:nvPr>
+        </p:nvSpPr>
+        <p:spPr>
+          <a:xfrm>
+            <a:off x="457200" y="116632"/>
+            <a:ext cx="8229600" cy="1143000"/>
+          </a:xfrm>
+        </p:spPr>
+        <p:txBody>
+          <a:bodyPr>
+            <a:normAutofit/>
+          </a:bodyPr>
+          <a:lstStyle/>
+          <a:p>
+            <a:pPr eaLnBrk="1" hangingPunct="1">
+              <a:defRPr/>
+            </a:pPr>
+            <a:r>
+              <a:rPr lang="es-MX" b="1" dirty="0">
+                <a:solidFill>
+                  <a:schemeClr val="accent4">
+                    <a:lumMod val="50000"/>
+                  </a:schemeClr>
+                </a:solidFill>
+                <a:effectLst>
+                  <a:outerShdw blurRad="38100" dist="38100" dir="2700000" algn="tl">
+                    <a:srgbClr val="C0C0C0"/>
+                  </a:outerShdw>
+                </a:effectLst>
+                <a:latin typeface="Dom Casual" charset="0"/>
+              </a:rPr>
+              <a:t>Listas de comprensión</a:t>
+            </a:r>
+          </a:p>
+        </p:txBody>
+      </p:sp>
+      <p:sp>
+        <p:nvSpPr>
+          <p:cNvPr id="10" name="CuadroTexto 9">
+            <a:extLst>
+              <a:ext uri="{FF2B5EF4-FFF2-40B4-BE49-F238E27FC236}">
+                <a16:creationId xmlns:a16="http://schemas.microsoft.com/office/drawing/2014/main" id="{28D7FAFF-9722-4D6A-9DE5-55FC738D0886}"/>
+              </a:ext>
+            </a:extLst>
+          </p:cNvPr>
+          <p:cNvSpPr txBox="1"/>
+          <p:nvPr/>
+        </p:nvSpPr>
+        <p:spPr>
+          <a:xfrm>
+            <a:off x="836550" y="1485512"/>
+            <a:ext cx="7848872" cy="369332"/>
+          </a:xfrm>
+          <a:prstGeom prst="rect">
+            <a:avLst/>
+          </a:prstGeom>
+          <a:noFill/>
+        </p:spPr>
+        <p:txBody>
+          <a:bodyPr wrap="square">
+            <a:spAutoFit/>
+          </a:bodyPr>
+          <a:lstStyle/>
+          <a:p>
+            <a:pPr algn="l"/>
+            <a:r>
+              <a:rPr lang="es-ES" b="1" i="0">
+                <a:solidFill>
+                  <a:schemeClr val="tx1">
+                    <a:lumMod val="95000"/>
+                    <a:lumOff val="5000"/>
+                  </a:schemeClr>
+                </a:solidFill>
+                <a:effectLst/>
+                <a:latin typeface="-apple-system"/>
+              </a:rPr>
+              <a:t>Ejemplo 5: </a:t>
+            </a:r>
+            <a:r>
+              <a:rPr lang="es-ES" sz="1600" b="0" i="0" dirty="0">
+                <a:solidFill>
+                  <a:schemeClr val="tx1">
+                    <a:lumMod val="95000"/>
+                    <a:lumOff val="5000"/>
+                  </a:schemeClr>
+                </a:solidFill>
+                <a:effectLst/>
+              </a:rPr>
+              <a:t>Crear una lista con todos los múltiplos de 2 entr</a:t>
+            </a:r>
+            <a:r>
+              <a:rPr lang="es-ES" sz="1600" dirty="0">
+                <a:solidFill>
+                  <a:schemeClr val="tx1">
+                    <a:lumMod val="95000"/>
+                    <a:lumOff val="5000"/>
+                  </a:schemeClr>
+                </a:solidFill>
+              </a:rPr>
+              <a:t>e 0 y 10</a:t>
+            </a:r>
+            <a:r>
+              <a:rPr lang="es-ES" sz="1600" b="0" i="0" dirty="0">
+                <a:solidFill>
+                  <a:schemeClr val="tx1">
+                    <a:lumMod val="95000"/>
+                    <a:lumOff val="5000"/>
+                  </a:schemeClr>
+                </a:solidFill>
+                <a:effectLst/>
+              </a:rPr>
+              <a:t>:</a:t>
+            </a:r>
+          </a:p>
+        </p:txBody>
+      </p:sp>
+      <p:sp>
+        <p:nvSpPr>
+          <p:cNvPr id="11" name="CuadroTexto 10">
+            <a:extLst>
+              <a:ext uri="{FF2B5EF4-FFF2-40B4-BE49-F238E27FC236}">
+                <a16:creationId xmlns:a16="http://schemas.microsoft.com/office/drawing/2014/main" id="{74988058-D62F-4930-BE06-055E873C6144}"/>
+              </a:ext>
+            </a:extLst>
+          </p:cNvPr>
+          <p:cNvSpPr txBox="1"/>
+          <p:nvPr/>
+        </p:nvSpPr>
+        <p:spPr>
+          <a:xfrm>
+            <a:off x="836550" y="4221088"/>
+            <a:ext cx="6471754" cy="358047"/>
+          </a:xfrm>
+          <a:prstGeom prst="rect">
+            <a:avLst/>
+          </a:prstGeom>
+          <a:noFill/>
+        </p:spPr>
+        <p:txBody>
+          <a:bodyPr wrap="square">
+            <a:spAutoFit/>
+          </a:bodyPr>
+          <a:lstStyle/>
+          <a:p>
+            <a:pPr algn="l">
+              <a:lnSpc>
+                <a:spcPts val="2200"/>
+              </a:lnSpc>
+              <a:spcAft>
+                <a:spcPts val="1200"/>
+              </a:spcAft>
+            </a:pPr>
+            <a:r>
+              <a:rPr lang="es-ES" sz="1600" dirty="0">
+                <a:solidFill>
+                  <a:schemeClr val="tx1">
+                    <a:lumMod val="95000"/>
+                    <a:lumOff val="5000"/>
+                  </a:schemeClr>
+                </a:solidFill>
+              </a:rPr>
+              <a:t>Añade a la lista los números del 0 al 10 que sean múltiplos de 2.</a:t>
+            </a:r>
+          </a:p>
+        </p:txBody>
+      </p:sp>
+      <p:sp>
+        <p:nvSpPr>
+          <p:cNvPr id="8" name="Rectángulo 7">
+            <a:extLst>
+              <a:ext uri="{FF2B5EF4-FFF2-40B4-BE49-F238E27FC236}">
+                <a16:creationId xmlns:a16="http://schemas.microsoft.com/office/drawing/2014/main" id="{B6D5ECDC-09F4-47F2-9DEA-6E72C62DEFAB}"/>
+              </a:ext>
+            </a:extLst>
+          </p:cNvPr>
+          <p:cNvSpPr/>
+          <p:nvPr/>
+        </p:nvSpPr>
+        <p:spPr>
+          <a:xfrm>
+            <a:off x="1910363" y="5069694"/>
+            <a:ext cx="6371104" cy="288032"/>
+          </a:xfrm>
+          <a:prstGeom prst="rect">
+            <a:avLst/>
+          </a:prstGeom>
+          <a:noFill/>
+        </p:spPr>
+        <p:style>
+          <a:lnRef idx="2">
+            <a:schemeClr val="accent1">
+              <a:shade val="50000"/>
+            </a:schemeClr>
+          </a:lnRef>
+          <a:fillRef idx="1">
+            <a:schemeClr val="accent1"/>
+          </a:fillRef>
+          <a:effectRef idx="0">
+            <a:schemeClr val="accent1"/>
+          </a:effectRef>
+          <a:fontRef idx="minor">
+            <a:schemeClr val="lt1"/>
+          </a:fontRef>
+        </p:style>
+        <p:txBody>
+          <a:bodyPr rtlCol="0" anchor="ctr"/>
+          <a:lstStyle/>
+          <a:p>
+            <a:pPr algn="ctr"/>
+            <a:endParaRPr lang="es-MX"/>
+          </a:p>
+        </p:txBody>
+      </p:sp>
+      <p:pic>
+        <p:nvPicPr>
+          <p:cNvPr id="3" name="Imagen 2">
+            <a:extLst>
+              <a:ext uri="{FF2B5EF4-FFF2-40B4-BE49-F238E27FC236}">
+                <a16:creationId xmlns:a16="http://schemas.microsoft.com/office/drawing/2014/main" id="{F0D521E6-6C53-4DD7-8588-F6E033472CC8}"/>
+              </a:ext>
+            </a:extLst>
+          </p:cNvPr>
+          <p:cNvPicPr>
+            <a:picLocks noChangeAspect="1"/>
+          </p:cNvPicPr>
+          <p:nvPr/>
+        </p:nvPicPr>
+        <p:blipFill>
+          <a:blip r:embed="rId4"/>
+          <a:stretch>
+            <a:fillRect/>
+          </a:stretch>
+        </p:blipFill>
+        <p:spPr>
+          <a:xfrm>
+            <a:off x="899592" y="2201180"/>
+            <a:ext cx="3371850" cy="1752600"/>
+          </a:xfrm>
+          <a:prstGeom prst="rect">
+            <a:avLst/>
+          </a:prstGeom>
+        </p:spPr>
+      </p:pic>
+    </p:spTree>
+    <p:extLst>
+      <p:ext uri="{BB962C8B-B14F-4D97-AF65-F5344CB8AC3E}">
+        <p14:creationId xmlns:p14="http://schemas.microsoft.com/office/powerpoint/2010/main" val="2224835995"/>
       </p:ext>
     </p:extLst>
   </p:cSld>
